--- a/docs/Detail Project Report (DPR).pptx
+++ b/docs/Detail Project Report (DPR).pptx
@@ -898,7 +898,7 @@
         <a:lstStyle/>
         <a:p>
           <a:r>
-            <a:rPr lang="en-IN"/>
+            <a:rPr lang="en-IN" dirty="0"/>
             <a:t>Start</a:t>
           </a:r>
         </a:p>
@@ -922,7 +922,7 @@
         <a:bodyPr/>
         <a:lstStyle/>
         <a:p>
-          <a:endParaRPr lang="en-IN"/>
+          <a:endParaRPr lang="en-IN" dirty="0"/>
         </a:p>
       </dgm:t>
     </dgm:pt>
@@ -934,7 +934,7 @@
         <a:lstStyle/>
         <a:p>
           <a:r>
-            <a:rPr lang="en-IN"/>
+            <a:rPr lang="en-IN" dirty="0"/>
             <a:t>Data Loading from remote</a:t>
           </a:r>
         </a:p>
@@ -958,7 +958,7 @@
         <a:bodyPr/>
         <a:lstStyle/>
         <a:p>
-          <a:endParaRPr lang="en-IN"/>
+          <a:endParaRPr lang="en-IN" dirty="0"/>
         </a:p>
       </dgm:t>
     </dgm:pt>
@@ -970,7 +970,7 @@
         <a:lstStyle/>
         <a:p>
           <a:r>
-            <a:rPr lang="en-IN"/>
+            <a:rPr lang="en-IN" dirty="0"/>
             <a:t>Exploratory Data Analysis (EDA)</a:t>
           </a:r>
         </a:p>
@@ -994,7 +994,7 @@
         <a:bodyPr/>
         <a:lstStyle/>
         <a:p>
-          <a:endParaRPr lang="en-IN"/>
+          <a:endParaRPr lang="en-IN" dirty="0"/>
         </a:p>
       </dgm:t>
     </dgm:pt>
@@ -1006,7 +1006,7 @@
         <a:lstStyle/>
         <a:p>
           <a:r>
-            <a:rPr lang="en-IN"/>
+            <a:rPr lang="en-IN" dirty="0"/>
             <a:t>Setting up logging mechanism</a:t>
           </a:r>
         </a:p>
@@ -1030,7 +1030,7 @@
         <a:bodyPr/>
         <a:lstStyle/>
         <a:p>
-          <a:endParaRPr lang="en-IN"/>
+          <a:endParaRPr lang="en-IN" dirty="0"/>
         </a:p>
       </dgm:t>
     </dgm:pt>
@@ -1042,7 +1042,7 @@
         <a:lstStyle/>
         <a:p>
           <a:r>
-            <a:rPr lang="en-IN"/>
+            <a:rPr lang="en-IN" dirty="0"/>
             <a:t>Machine Learning Model Creation</a:t>
           </a:r>
         </a:p>
@@ -1066,7 +1066,7 @@
         <a:bodyPr/>
         <a:lstStyle/>
         <a:p>
-          <a:endParaRPr lang="en-IN"/>
+          <a:endParaRPr lang="en-IN" dirty="0"/>
         </a:p>
       </dgm:t>
     </dgm:pt>
@@ -1078,7 +1078,7 @@
         <a:lstStyle/>
         <a:p>
           <a:r>
-            <a:rPr lang="en-IN"/>
+            <a:rPr lang="en-IN" dirty="0"/>
             <a:t>Creating utility classes</a:t>
           </a:r>
         </a:p>
@@ -1102,7 +1102,7 @@
         <a:bodyPr/>
         <a:lstStyle/>
         <a:p>
-          <a:endParaRPr lang="en-IN"/>
+          <a:endParaRPr lang="en-IN" dirty="0"/>
         </a:p>
       </dgm:t>
     </dgm:pt>
@@ -1138,7 +1138,7 @@
         <a:bodyPr/>
         <a:lstStyle/>
         <a:p>
-          <a:endParaRPr lang="en-IN"/>
+          <a:endParaRPr lang="en-IN" dirty="0"/>
         </a:p>
       </dgm:t>
     </dgm:pt>
@@ -1174,7 +1174,7 @@
         <a:bodyPr/>
         <a:lstStyle/>
         <a:p>
-          <a:endParaRPr lang="en-IN"/>
+          <a:endParaRPr lang="en-IN" dirty="0"/>
         </a:p>
       </dgm:t>
     </dgm:pt>
@@ -1210,7 +1210,7 @@
         <a:bodyPr/>
         <a:lstStyle/>
         <a:p>
-          <a:endParaRPr lang="en-IN"/>
+          <a:endParaRPr lang="en-IN" dirty="0"/>
         </a:p>
       </dgm:t>
     </dgm:pt>
@@ -1246,7 +1246,7 @@
         <a:bodyPr/>
         <a:lstStyle/>
         <a:p>
-          <a:endParaRPr lang="en-IN"/>
+          <a:endParaRPr lang="en-IN" dirty="0"/>
         </a:p>
       </dgm:t>
     </dgm:pt>
@@ -1258,7 +1258,7 @@
         <a:lstStyle/>
         <a:p>
           <a:r>
-            <a:rPr lang="en-IN"/>
+            <a:rPr lang="en-IN" dirty="0"/>
             <a:t>End</a:t>
           </a:r>
         </a:p>
@@ -1318,7 +1318,7 @@
         <a:bodyPr/>
         <a:lstStyle/>
         <a:p>
-          <a:endParaRPr lang="en-IN"/>
+          <a:endParaRPr lang="en-IN" dirty="0"/>
         </a:p>
       </dgm:t>
     </dgm:pt>
@@ -1354,7 +1354,7 @@
         <a:bodyPr/>
         <a:lstStyle/>
         <a:p>
-          <a:endParaRPr lang="en-IN"/>
+          <a:endParaRPr lang="en-IN" dirty="0"/>
         </a:p>
       </dgm:t>
     </dgm:pt>
@@ -1366,7 +1366,7 @@
         <a:lstStyle/>
         <a:p>
           <a:r>
-            <a:rPr lang="en-IN"/>
+            <a:rPr lang="en-IN" dirty="0"/>
             <a:t>Adding python tests</a:t>
           </a:r>
         </a:p>
@@ -1390,7 +1390,7 @@
         <a:bodyPr/>
         <a:lstStyle/>
         <a:p>
-          <a:endParaRPr lang="en-IN"/>
+          <a:endParaRPr lang="en-IN" dirty="0"/>
         </a:p>
       </dgm:t>
     </dgm:pt>
@@ -1415,7 +1415,7 @@
         <a:bodyPr/>
         <a:lstStyle/>
         <a:p>
-          <a:endParaRPr lang="en-IN"/>
+          <a:endParaRPr lang="en-IN" dirty="0"/>
         </a:p>
       </dgm:t>
     </dgm:pt>
@@ -1463,7 +1463,7 @@
         <a:bodyPr/>
         <a:lstStyle/>
         <a:p>
-          <a:endParaRPr lang="en-IN"/>
+          <a:endParaRPr lang="en-IN" dirty="0"/>
         </a:p>
       </dgm:t>
     </dgm:pt>
@@ -1926,7 +1926,7 @@
             </a:spcAft>
             <a:buNone/>
           </a:pPr>
-          <a:endParaRPr lang="en-IN" sz="500" kern="1200"/>
+          <a:endParaRPr lang="en-IN" sz="500" kern="1200" dirty="0"/>
         </a:p>
       </dsp:txBody>
       <dsp:txXfrm>
@@ -2001,7 +2001,7 @@
             <a:buNone/>
           </a:pPr>
           <a:r>
-            <a:rPr lang="en-IN" sz="1000" kern="1200"/>
+            <a:rPr lang="en-IN" sz="1000" kern="1200" dirty="0"/>
             <a:t>Start</a:t>
           </a:r>
         </a:p>
@@ -2083,7 +2083,7 @@
             </a:spcAft>
             <a:buNone/>
           </a:pPr>
-          <a:endParaRPr lang="en-IN" sz="500" kern="1200"/>
+          <a:endParaRPr lang="en-IN" sz="500" kern="1200" dirty="0"/>
         </a:p>
       </dsp:txBody>
       <dsp:txXfrm>
@@ -2158,7 +2158,7 @@
             <a:buNone/>
           </a:pPr>
           <a:r>
-            <a:rPr lang="en-IN" sz="1000" kern="1200"/>
+            <a:rPr lang="en-IN" sz="1000" kern="1200" dirty="0"/>
             <a:t>Data Loading from remote</a:t>
           </a:r>
         </a:p>
@@ -2240,7 +2240,7 @@
             </a:spcAft>
             <a:buNone/>
           </a:pPr>
-          <a:endParaRPr lang="en-IN" sz="500" kern="1200"/>
+          <a:endParaRPr lang="en-IN" sz="500" kern="1200" dirty="0"/>
         </a:p>
       </dsp:txBody>
       <dsp:txXfrm>
@@ -2315,7 +2315,7 @@
             <a:buNone/>
           </a:pPr>
           <a:r>
-            <a:rPr lang="en-IN" sz="1000" kern="1200"/>
+            <a:rPr lang="en-IN" sz="1000" kern="1200" dirty="0"/>
             <a:t>Exploratory Data Analysis (EDA)</a:t>
           </a:r>
         </a:p>
@@ -2403,7 +2403,7 @@
             </a:spcAft>
             <a:buNone/>
           </a:pPr>
-          <a:endParaRPr lang="en-IN" sz="500" kern="1200"/>
+          <a:endParaRPr lang="en-IN" sz="500" kern="1200" dirty="0"/>
         </a:p>
       </dsp:txBody>
       <dsp:txXfrm>
@@ -2478,7 +2478,7 @@
             <a:buNone/>
           </a:pPr>
           <a:r>
-            <a:rPr lang="en-IN" sz="1000" kern="1200"/>
+            <a:rPr lang="en-IN" sz="1000" kern="1200" dirty="0"/>
             <a:t>Setting up logging mechanism</a:t>
           </a:r>
         </a:p>
@@ -2560,7 +2560,7 @@
             </a:spcAft>
             <a:buNone/>
           </a:pPr>
-          <a:endParaRPr lang="en-IN" sz="500" kern="1200"/>
+          <a:endParaRPr lang="en-IN" sz="500" kern="1200" dirty="0"/>
         </a:p>
       </dsp:txBody>
       <dsp:txXfrm>
@@ -2635,7 +2635,7 @@
             <a:buNone/>
           </a:pPr>
           <a:r>
-            <a:rPr lang="en-IN" sz="1000" kern="1200"/>
+            <a:rPr lang="en-IN" sz="1000" kern="1200" dirty="0"/>
             <a:t>Creating utility classes</a:t>
           </a:r>
         </a:p>
@@ -2717,7 +2717,7 @@
             </a:spcAft>
             <a:buNone/>
           </a:pPr>
-          <a:endParaRPr lang="en-IN" sz="500" kern="1200"/>
+          <a:endParaRPr lang="en-IN" sz="500" kern="1200" dirty="0"/>
         </a:p>
       </dsp:txBody>
       <dsp:txXfrm>
@@ -2875,7 +2875,7 @@
             </a:spcAft>
             <a:buNone/>
           </a:pPr>
-          <a:endParaRPr lang="en-IN" sz="500" kern="1200"/>
+          <a:endParaRPr lang="en-IN" sz="500" kern="1200" dirty="0"/>
         </a:p>
       </dsp:txBody>
       <dsp:txXfrm>
@@ -3038,7 +3038,7 @@
             </a:spcAft>
             <a:buNone/>
           </a:pPr>
-          <a:endParaRPr lang="en-IN" sz="500" kern="1200"/>
+          <a:endParaRPr lang="en-IN" sz="500" kern="1200" dirty="0"/>
         </a:p>
       </dsp:txBody>
       <dsp:txXfrm>
@@ -3195,7 +3195,7 @@
             </a:spcAft>
             <a:buNone/>
           </a:pPr>
-          <a:endParaRPr lang="en-IN" sz="500" kern="1200"/>
+          <a:endParaRPr lang="en-IN" sz="500" kern="1200" dirty="0"/>
         </a:p>
       </dsp:txBody>
       <dsp:txXfrm>
@@ -3270,7 +3270,7 @@
             <a:buNone/>
           </a:pPr>
           <a:r>
-            <a:rPr lang="en-IN" sz="1000" kern="1200"/>
+            <a:rPr lang="en-IN" sz="1000" kern="1200" dirty="0"/>
             <a:t>Machine Learning Model Creation</a:t>
           </a:r>
         </a:p>
@@ -3352,7 +3352,7 @@
             </a:spcAft>
             <a:buNone/>
           </a:pPr>
-          <a:endParaRPr lang="en-IN" sz="500" kern="1200"/>
+          <a:endParaRPr lang="en-IN" sz="500" kern="1200" dirty="0"/>
         </a:p>
       </dsp:txBody>
       <dsp:txXfrm>
@@ -3509,7 +3509,7 @@
             </a:spcAft>
             <a:buNone/>
           </a:pPr>
-          <a:endParaRPr lang="en-IN" sz="500" kern="1200"/>
+          <a:endParaRPr lang="en-IN" sz="500" kern="1200" dirty="0"/>
         </a:p>
       </dsp:txBody>
       <dsp:txXfrm>
@@ -3672,7 +3672,7 @@
             </a:spcAft>
             <a:buNone/>
           </a:pPr>
-          <a:endParaRPr lang="en-IN" sz="500" kern="1200"/>
+          <a:endParaRPr lang="en-IN" sz="500" kern="1200" dirty="0"/>
         </a:p>
       </dsp:txBody>
       <dsp:txXfrm>
@@ -3829,7 +3829,7 @@
             </a:spcAft>
             <a:buNone/>
           </a:pPr>
-          <a:endParaRPr lang="en-IN" sz="500" kern="1200"/>
+          <a:endParaRPr lang="en-IN" sz="500" kern="1200" dirty="0"/>
         </a:p>
       </dsp:txBody>
       <dsp:txXfrm>
@@ -3904,7 +3904,7 @@
             <a:buNone/>
           </a:pPr>
           <a:r>
-            <a:rPr lang="en-IN" sz="1000" kern="1200"/>
+            <a:rPr lang="en-IN" sz="1000" kern="1200" dirty="0"/>
             <a:t>Adding python tests</a:t>
           </a:r>
         </a:p>
@@ -3986,7 +3986,7 @@
             </a:spcAft>
             <a:buNone/>
           </a:pPr>
-          <a:endParaRPr lang="en-IN" sz="500" kern="1200"/>
+          <a:endParaRPr lang="en-IN" sz="500" kern="1200" dirty="0"/>
         </a:p>
       </dsp:txBody>
       <dsp:txXfrm>
@@ -4149,7 +4149,7 @@
             </a:spcAft>
             <a:buNone/>
           </a:pPr>
-          <a:endParaRPr lang="en-IN" sz="500" kern="1200"/>
+          <a:endParaRPr lang="en-IN" sz="500" kern="1200" dirty="0"/>
         </a:p>
       </dsp:txBody>
       <dsp:txXfrm>
@@ -4301,7 +4301,7 @@
             <a:buNone/>
           </a:pPr>
           <a:r>
-            <a:rPr lang="en-IN" sz="1000" kern="1200"/>
+            <a:rPr lang="en-IN" sz="1000" kern="1200" dirty="0"/>
             <a:t>End</a:t>
           </a:r>
         </a:p>
@@ -5619,7 +5619,7 @@
           <a:p>
             <a:fld id="{AFD01546-198A-4195-BCF8-F0FF54C90E5E}" type="datetimeFigureOut">
               <a:rPr lang="en-US" smtClean="0"/>
-              <a:t>2/23/2023</a:t>
+              <a:t>8/12/2024</a:t>
             </a:fld>
             <a:endParaRPr lang="en-US" dirty="0"/>
           </a:p>
@@ -6532,7 +6532,7 @@
           <a:p>
             <a:fld id="{88D38747-4367-4BD2-8D51-C97E202738E2}" type="datetime1">
               <a:rPr lang="en-US" smtClean="0"/>
-              <a:t>2/23/2023</a:t>
+              <a:t>8/12/2024</a:t>
             </a:fld>
             <a:endParaRPr lang="en-US" dirty="0"/>
           </a:p>
@@ -6738,10 +6738,9 @@
           </a:lstStyle>
           <a:p>
             <a:r>
-              <a:rPr lang="en-US"/>
+              <a:rPr lang="en-US" dirty="0"/>
               <a:t>Click icon to add picture</a:t>
             </a:r>
-            <a:endParaRPr lang="en-US" dirty="0"/>
           </a:p>
         </p:txBody>
       </p:sp>
@@ -6829,7 +6828,7 @@
           <a:p>
             <a:fld id="{073ED0CC-082F-4160-86E5-0D6041F12778}" type="datetime1">
               <a:rPr lang="en-US" smtClean="0"/>
-              <a:t>2/23/2023</a:t>
+              <a:t>8/12/2024</a:t>
             </a:fld>
             <a:endParaRPr lang="en-US" dirty="0"/>
           </a:p>
@@ -7078,7 +7077,7 @@
           <a:p>
             <a:fld id="{073ED0CC-082F-4160-86E5-0D6041F12778}" type="datetime1">
               <a:rPr lang="en-US" smtClean="0"/>
-              <a:t>2/23/2023</a:t>
+              <a:t>8/12/2024</a:t>
             </a:fld>
             <a:endParaRPr lang="en-US" dirty="0"/>
           </a:p>
@@ -7619,7 +7618,7 @@
           <a:p>
             <a:fld id="{073ED0CC-082F-4160-86E5-0D6041F12778}" type="datetime1">
               <a:rPr lang="en-US" smtClean="0"/>
-              <a:t>2/23/2023</a:t>
+              <a:t>8/12/2024</a:t>
             </a:fld>
             <a:endParaRPr lang="en-US" dirty="0"/>
           </a:p>
@@ -7868,7 +7867,7 @@
           <a:p>
             <a:fld id="{073ED0CC-082F-4160-86E5-0D6041F12778}" type="datetime1">
               <a:rPr lang="en-US" smtClean="0"/>
-              <a:t>2/23/2023</a:t>
+              <a:t>8/12/2024</a:t>
             </a:fld>
             <a:endParaRPr lang="en-US" dirty="0"/>
           </a:p>
@@ -8401,7 +8400,7 @@
           <a:p>
             <a:fld id="{073ED0CC-082F-4160-86E5-0D6041F12778}" type="datetime1">
               <a:rPr lang="en-US" smtClean="0"/>
-              <a:t>2/23/2023</a:t>
+              <a:t>8/12/2024</a:t>
             </a:fld>
             <a:endParaRPr lang="en-US" dirty="0"/>
           </a:p>
@@ -8699,7 +8698,7 @@
           <a:p>
             <a:fld id="{073ED0CC-082F-4160-86E5-0D6041F12778}" type="datetime1">
               <a:rPr lang="en-US" smtClean="0"/>
-              <a:t>2/23/2023</a:t>
+              <a:t>8/12/2024</a:t>
             </a:fld>
             <a:endParaRPr lang="en-US" dirty="0"/>
           </a:p>
@@ -8874,7 +8873,7 @@
           <a:p>
             <a:fld id="{073ED0CC-082F-4160-86E5-0D6041F12778}" type="datetime1">
               <a:rPr lang="en-US" smtClean="0"/>
-              <a:t>2/23/2023</a:t>
+              <a:t>8/12/2024</a:t>
             </a:fld>
             <a:endParaRPr lang="en-US" dirty="0"/>
           </a:p>
@@ -9055,7 +9054,7 @@
           <a:p>
             <a:fld id="{073ED0CC-082F-4160-86E5-0D6041F12778}" type="datetime1">
               <a:rPr lang="en-US" smtClean="0"/>
-              <a:t>2/23/2023</a:t>
+              <a:t>8/12/2024</a:t>
             </a:fld>
             <a:endParaRPr lang="en-US" dirty="0"/>
           </a:p>
@@ -9226,7 +9225,7 @@
           <a:p>
             <a:fld id="{73C55A3C-5767-4844-A0A3-83778C2E5409}" type="datetime1">
               <a:rPr lang="en-US" smtClean="0"/>
-              <a:t>2/23/2023</a:t>
+              <a:t>8/12/2024</a:t>
             </a:fld>
             <a:endParaRPr lang="en-US" dirty="0"/>
           </a:p>
@@ -9477,7 +9476,7 @@
           <a:p>
             <a:fld id="{CAE507A8-A5CF-4D38-AB86-7EDDA87A85D4}" type="datetime1">
               <a:rPr lang="en-US" smtClean="0"/>
-              <a:t>2/23/2023</a:t>
+              <a:t>8/12/2024</a:t>
             </a:fld>
             <a:endParaRPr lang="en-US" dirty="0"/>
           </a:p>
@@ -9775,7 +9774,7 @@
           <a:p>
             <a:fld id="{BDFCD27C-8599-43EF-BA1D-14DDC1946E06}" type="datetime1">
               <a:rPr lang="en-US" smtClean="0"/>
-              <a:t>2/23/2023</a:t>
+              <a:t>8/12/2024</a:t>
             </a:fld>
             <a:endParaRPr lang="en-US" dirty="0"/>
           </a:p>
@@ -10217,7 +10216,7 @@
           <a:p>
             <a:fld id="{49343D99-809A-49C0-96E5-4250D0B498EE}" type="datetime1">
               <a:rPr lang="en-US" smtClean="0"/>
-              <a:t>2/23/2023</a:t>
+              <a:t>8/12/2024</a:t>
             </a:fld>
             <a:endParaRPr lang="en-US" dirty="0"/>
           </a:p>
@@ -10335,7 +10334,7 @@
           <a:p>
             <a:fld id="{A143DE9B-B678-4EFB-BB7D-A4370204A0B0}" type="datetime1">
               <a:rPr lang="en-US" smtClean="0"/>
-              <a:t>2/23/2023</a:t>
+              <a:t>8/12/2024</a:t>
             </a:fld>
             <a:endParaRPr lang="en-US" dirty="0"/>
           </a:p>
@@ -10430,7 +10429,7 @@
           <a:p>
             <a:fld id="{E68812DA-F765-4142-A6A3-A8ED7235E082}" type="datetime1">
               <a:rPr lang="en-US" smtClean="0"/>
-              <a:t>2/23/2023</a:t>
+              <a:t>8/12/2024</a:t>
             </a:fld>
             <a:endParaRPr lang="en-US" dirty="0"/>
           </a:p>
@@ -10713,7 +10712,7 @@
           <a:p>
             <a:fld id="{3E0277FD-7DE6-41D4-930D-AC99F5AFE54E}" type="datetime1">
               <a:rPr lang="en-US" smtClean="0"/>
-              <a:t>2/23/2023</a:t>
+              <a:t>8/12/2024</a:t>
             </a:fld>
             <a:endParaRPr lang="en-US" dirty="0"/>
           </a:p>
@@ -10914,10 +10913,9 @@
           </a:lstStyle>
           <a:p>
             <a:r>
-              <a:rPr lang="en-US"/>
+              <a:rPr lang="en-US" dirty="0"/>
               <a:t>Click icon to add picture</a:t>
             </a:r>
-            <a:endParaRPr lang="en-US" dirty="0"/>
           </a:p>
         </p:txBody>
       </p:sp>
@@ -11005,7 +11003,7 @@
           <a:p>
             <a:fld id="{9EA15526-7079-4B7B-987C-1B5FAE11A0FF}" type="datetime1">
               <a:rPr lang="en-US" smtClean="0"/>
-              <a:t>2/23/2023</a:t>
+              <a:t>8/12/2024</a:t>
             </a:fld>
             <a:endParaRPr lang="en-US" dirty="0"/>
           </a:p>
@@ -11536,7 +11534,7 @@
           <a:p>
             <a:fld id="{073ED0CC-082F-4160-86E5-0D6041F12778}" type="datetime1">
               <a:rPr lang="en-US" smtClean="0"/>
-              <a:t>2/23/2023</a:t>
+              <a:t>8/12/2024</a:t>
             </a:fld>
             <a:endParaRPr lang="en-US" dirty="0"/>
           </a:p>
@@ -13090,7 +13088,7 @@
         <p:spPr/>
         <p:txBody>
           <a:bodyPr>
-            <a:normAutofit fontScale="92500" lnSpcReduction="20000"/>
+            <a:normAutofit fontScale="85000" lnSpcReduction="20000"/>
           </a:bodyPr>
           <a:lstStyle/>
           <a:p>
@@ -13145,6 +13143,13 @@
             <a:r>
               <a:rPr lang="en-IN" dirty="0"/>
               <a:t>Scaling required or not</a:t>
+            </a:r>
+          </a:p>
+          <a:p>
+            <a:pPr lvl="1"/>
+            <a:r>
+              <a:rPr lang="en-IN" dirty="0"/>
+              <a:t>Data imbalance</a:t>
             </a:r>
           </a:p>
         </p:txBody>
@@ -13617,10 +13622,15 @@
             <p:ph idx="1"/>
           </p:nvPr>
         </p:nvSpPr>
-        <p:spPr/>
+        <p:spPr>
+          <a:xfrm>
+            <a:off x="1484310" y="2666999"/>
+            <a:ext cx="10018713" cy="3854117"/>
+          </a:xfrm>
+        </p:spPr>
         <p:txBody>
           <a:bodyPr>
-            <a:normAutofit fontScale="92500"/>
+            <a:normAutofit fontScale="92500" lnSpcReduction="10000"/>
           </a:bodyPr>
           <a:lstStyle/>
           <a:p>
@@ -13756,12 +13766,47 @@
               </a:rPr>
               <a:t>Imputation of missing values is performed on the numerical features.</a:t>
             </a:r>
-            <a:endParaRPr lang="en-IN" sz="1400" dirty="0">
-              <a:effectLst/>
-              <a:latin typeface="Calibri" panose="020F0502020204030204" pitchFamily="34" charset="0"/>
-              <a:ea typeface="Calibri" panose="020F0502020204030204" pitchFamily="34" charset="0"/>
-              <a:cs typeface="Times New Roman" panose="02020603050405020304" pitchFamily="18" charset="0"/>
-            </a:endParaRPr>
+          </a:p>
+          <a:p>
+            <a:pPr lvl="1">
+              <a:lnSpc>
+                <a:spcPct val="115000"/>
+              </a:lnSpc>
+              <a:spcAft>
+                <a:spcPts val="1000"/>
+              </a:spcAft>
+            </a:pPr>
+            <a:r>
+              <a:rPr lang="en-US" sz="1400" dirty="0">
+                <a:solidFill>
+                  <a:srgbClr val="000000"/>
+                </a:solidFill>
+                <a:effectLst/>
+                <a:latin typeface="Calibri" panose="020F0502020204030204" pitchFamily="34" charset="0"/>
+                <a:ea typeface="Calibri" panose="020F0502020204030204" pitchFamily="34" charset="0"/>
+                <a:cs typeface="Times New Roman" panose="02020603050405020304" pitchFamily="18" charset="0"/>
+              </a:rPr>
+              <a:t>Scaling of the numerical features is performed.</a:t>
+            </a:r>
+          </a:p>
+          <a:p>
+            <a:pPr lvl="1">
+              <a:lnSpc>
+                <a:spcPct val="115000"/>
+              </a:lnSpc>
+              <a:spcAft>
+                <a:spcPts val="1000"/>
+              </a:spcAft>
+            </a:pPr>
+            <a:r>
+              <a:rPr lang="en-IN" sz="1400" dirty="0">
+                <a:effectLst/>
+                <a:latin typeface="Calibri" panose="020F0502020204030204" pitchFamily="34" charset="0"/>
+                <a:ea typeface="Calibri" panose="020F0502020204030204" pitchFamily="34" charset="0"/>
+                <a:cs typeface="Times New Roman" panose="02020603050405020304" pitchFamily="18" charset="0"/>
+              </a:rPr>
+              <a:t>Oversampling performed to treat the imbalance of target feature classes</a:t>
+            </a:r>
           </a:p>
         </p:txBody>
       </p:sp>
@@ -14330,21 +14375,21 @@
 </file>
 
 <file path=customXml/item1.xml><?xml version="1.0" encoding="utf-8"?>
+<?mso-contentType ?>
+<FormTemplates xmlns="http://schemas.microsoft.com/sharepoint/v3/contenttype/forms">
+  <Display>DocumentLibraryForm</Display>
+  <Edit>DocumentLibraryForm</Edit>
+  <New>DocumentLibraryForm</New>
+</FormTemplates>
+</file>
+
+<file path=customXml/item2.xml><?xml version="1.0" encoding="utf-8"?>
 <p:properties xmlns:p="http://schemas.microsoft.com/office/2006/metadata/properties" xmlns:xsi="http://www.w3.org/2001/XMLSchema-instance" xmlns:pc="http://schemas.microsoft.com/office/infopath/2007/PartnerControls">
   <documentManagement>
     <Status xmlns="71af3243-3dd4-4a8d-8c0d-dd76da1f02a5">Not started</Status>
     <MediaServiceKeyPoints xmlns="71af3243-3dd4-4a8d-8c0d-dd76da1f02a5" xsi:nil="true"/>
   </documentManagement>
 </p:properties>
-</file>
-
-<file path=customXml/item2.xml><?xml version="1.0" encoding="utf-8"?>
-<?mso-contentType ?>
-<FormTemplates xmlns="http://schemas.microsoft.com/sharepoint/v3/contenttype/forms">
-  <Display>DocumentLibraryForm</Display>
-  <Edit>DocumentLibraryForm</Edit>
-  <New>DocumentLibraryForm</New>
-</FormTemplates>
 </file>
 
 <file path=customXml/item3.xml><?xml version="1.0" encoding="utf-8"?>
@@ -14569,19 +14614,19 @@
 </file>
 
 <file path=customXml/itemProps1.xml><?xml version="1.0" encoding="utf-8"?>
+<ds:datastoreItem xmlns:ds="http://schemas.openxmlformats.org/officeDocument/2006/customXml" ds:itemID="{64B270AB-C138-415C-897E-3C24487DECF1}">
+  <ds:schemaRefs>
+    <ds:schemaRef ds:uri="http://schemas.microsoft.com/sharepoint/v3/contenttype/forms"/>
+  </ds:schemaRefs>
+</ds:datastoreItem>
+</file>
+
+<file path=customXml/itemProps2.xml><?xml version="1.0" encoding="utf-8"?>
 <ds:datastoreItem xmlns:ds="http://schemas.openxmlformats.org/officeDocument/2006/customXml" ds:itemID="{2C4C00F4-06E9-43E3-AD97-88A857CEFA82}">
   <ds:schemaRefs>
     <ds:schemaRef ds:uri="http://schemas.microsoft.com/office/2006/metadata/properties"/>
     <ds:schemaRef ds:uri="http://schemas.microsoft.com/office/infopath/2007/PartnerControls"/>
     <ds:schemaRef ds:uri="71af3243-3dd4-4a8d-8c0d-dd76da1f02a5"/>
-  </ds:schemaRefs>
-</ds:datastoreItem>
-</file>
-
-<file path=customXml/itemProps2.xml><?xml version="1.0" encoding="utf-8"?>
-<ds:datastoreItem xmlns:ds="http://schemas.openxmlformats.org/officeDocument/2006/customXml" ds:itemID="{64B270AB-C138-415C-897E-3C24487DECF1}">
-  <ds:schemaRefs>
-    <ds:schemaRef ds:uri="http://schemas.microsoft.com/sharepoint/v3/contenttype/forms"/>
   </ds:schemaRefs>
 </ds:datastoreItem>
 </file>
